--- a/ppt/angular/Angular07-TS.pptx
+++ b/ppt/angular/Angular07-TS.pptx
@@ -5,10 +5,10 @@
     <p:sldMasterId id="2147483653" r:id="rId1"/>
   </p:sldMasterIdLst>
   <p:notesMasterIdLst>
-    <p:notesMasterId r:id="rId13"/>
+    <p:notesMasterId r:id="rId18"/>
   </p:notesMasterIdLst>
   <p:handoutMasterIdLst>
-    <p:handoutMasterId r:id="rId14"/>
+    <p:handoutMasterId r:id="rId19"/>
   </p:handoutMasterIdLst>
   <p:sldIdLst>
     <p:sldId id="264" r:id="rId2"/>
@@ -19,9 +19,14 @@
     <p:sldId id="314" r:id="rId7"/>
     <p:sldId id="315" r:id="rId8"/>
     <p:sldId id="316" r:id="rId9"/>
-    <p:sldId id="317" r:id="rId10"/>
-    <p:sldId id="318" r:id="rId11"/>
-    <p:sldId id="319" r:id="rId12"/>
+    <p:sldId id="321" r:id="rId10"/>
+    <p:sldId id="317" r:id="rId11"/>
+    <p:sldId id="318" r:id="rId12"/>
+    <p:sldId id="319" r:id="rId13"/>
+    <p:sldId id="322" r:id="rId14"/>
+    <p:sldId id="323" r:id="rId15"/>
+    <p:sldId id="324" r:id="rId16"/>
+    <p:sldId id="325" r:id="rId17"/>
   </p:sldIdLst>
   <p:sldSz cx="9144000" cy="6858000" type="screen4x3"/>
   <p:notesSz cx="6648450" cy="9782175"/>
@@ -3699,11 +3704,7 @@
             <a:pPr eaLnBrk="1" hangingPunct="1"/>
             <a:r>
               <a:rPr lang="fr-FR" altLang="fr-FR" smtClean="0"/>
-              <a:t>Chapitre </a:t>
-            </a:r>
-            <a:r>
-              <a:rPr lang="fr-FR" altLang="fr-FR" smtClean="0"/>
-              <a:t>7</a:t>
+              <a:t>Chapitre 7</a:t>
             </a:r>
             <a:endParaRPr lang="fr-FR" altLang="fr-FR" dirty="0" smtClean="0"/>
           </a:p>
@@ -3988,8 +3989,8 @@
           <a:lstStyle/>
           <a:p>
             <a:r>
-              <a:rPr lang="fr-FR" smtClean="0"/>
-              <a:t>Tuples</a:t>
+              <a:rPr lang="fr-FR" dirty="0" smtClean="0"/>
+              <a:t>let</a:t>
             </a:r>
             <a:endParaRPr lang="fr-FR" dirty="0"/>
           </a:p>
@@ -4012,14 +4013,15 @@
           <a:p>
             <a:r>
               <a:rPr lang="fr-FR" dirty="0" smtClean="0"/>
-              <a:t>Permet d’encapsuler plusieurs valeurs dans une variable</a:t>
-            </a:r>
-          </a:p>
-          <a:p>
-            <a:r>
-              <a:rPr lang="fr-FR" dirty="0" smtClean="0"/>
-              <a:t>Utile pour les retours de fonction</a:t>
-            </a:r>
+              <a:t>Propose une visibilité conforme à C# et Java</a:t>
+            </a:r>
+          </a:p>
+          <a:p>
+            <a:r>
+              <a:rPr lang="fr-FR" dirty="0" smtClean="0"/>
+              <a:t>Dans cet exemple var aurait donné un résultat différent</a:t>
+            </a:r>
+            <a:endParaRPr lang="fr-FR" dirty="0"/>
           </a:p>
         </p:txBody>
       </p:sp>
@@ -4039,8 +4041,8 @@
         </p:blipFill>
         <p:spPr>
           <a:xfrm>
-            <a:off x="2555776" y="3789040"/>
-            <a:ext cx="3897707" cy="2351509"/>
+            <a:off x="2195736" y="2767384"/>
+            <a:ext cx="4382932" cy="3685952"/>
           </a:xfrm>
           <a:prstGeom prst="rect">
             <a:avLst/>
@@ -4050,7 +4052,7 @@
     </p:spTree>
     <p:extLst>
       <p:ext uri="{BB962C8B-B14F-4D97-AF65-F5344CB8AC3E}">
-        <p14:creationId xmlns:p14="http://schemas.microsoft.com/office/powerpoint/2010/main" val="241711728"/>
+        <p14:creationId xmlns:p14="http://schemas.microsoft.com/office/powerpoint/2010/main" val="2485868691"/>
       </p:ext>
     </p:extLst>
   </p:cSld>
@@ -4093,12 +4095,8 @@
           <a:lstStyle/>
           <a:p>
             <a:r>
-              <a:rPr lang="fr-FR" dirty="0" smtClean="0"/>
-              <a:t>Arrow </a:t>
-            </a:r>
-            <a:r>
-              <a:rPr lang="fr-FR" dirty="0" err="1" smtClean="0"/>
-              <a:t>Function</a:t>
+              <a:rPr lang="fr-FR" smtClean="0"/>
+              <a:t>Tuples</a:t>
             </a:r>
             <a:endParaRPr lang="fr-FR" dirty="0"/>
           </a:p>
@@ -4121,6 +4119,115 @@
           <a:p>
             <a:r>
               <a:rPr lang="fr-FR" dirty="0" smtClean="0"/>
+              <a:t>Permet d’encapsuler plusieurs valeurs dans une variable</a:t>
+            </a:r>
+          </a:p>
+          <a:p>
+            <a:r>
+              <a:rPr lang="fr-FR" dirty="0" smtClean="0"/>
+              <a:t>Utile pour les retours de fonction</a:t>
+            </a:r>
+          </a:p>
+        </p:txBody>
+      </p:sp>
+      <p:pic>
+        <p:nvPicPr>
+          <p:cNvPr id="4" name="Image 3"/>
+          <p:cNvPicPr>
+            <a:picLocks noChangeAspect="1"/>
+          </p:cNvPicPr>
+          <p:nvPr/>
+        </p:nvPicPr>
+        <p:blipFill>
+          <a:blip r:embed="rId2"/>
+          <a:stretch>
+            <a:fillRect/>
+          </a:stretch>
+        </p:blipFill>
+        <p:spPr>
+          <a:xfrm>
+            <a:off x="2555776" y="3789040"/>
+            <a:ext cx="3897707" cy="2351509"/>
+          </a:xfrm>
+          <a:prstGeom prst="rect">
+            <a:avLst/>
+          </a:prstGeom>
+        </p:spPr>
+      </p:pic>
+    </p:spTree>
+    <p:extLst>
+      <p:ext uri="{BB962C8B-B14F-4D97-AF65-F5344CB8AC3E}">
+        <p14:creationId xmlns:p14="http://schemas.microsoft.com/office/powerpoint/2010/main" val="241711728"/>
+      </p:ext>
+    </p:extLst>
+  </p:cSld>
+  <p:clrMapOvr>
+    <a:masterClrMapping/>
+  </p:clrMapOvr>
+</p:sld>
+</file>
+
+<file path=ppt/slides/slide12.xml><?xml version="1.0" encoding="utf-8"?>
+<p:sld xmlns:a="http://schemas.openxmlformats.org/drawingml/2006/main" xmlns:r="http://schemas.openxmlformats.org/officeDocument/2006/relationships" xmlns:p="http://schemas.openxmlformats.org/presentationml/2006/main">
+  <p:cSld>
+    <p:spTree>
+      <p:nvGrpSpPr>
+        <p:cNvPr id="1" name=""/>
+        <p:cNvGrpSpPr/>
+        <p:nvPr/>
+      </p:nvGrpSpPr>
+      <p:grpSpPr>
+        <a:xfrm>
+          <a:off x="0" y="0"/>
+          <a:ext cx="0" cy="0"/>
+          <a:chOff x="0" y="0"/>
+          <a:chExt cx="0" cy="0"/>
+        </a:xfrm>
+      </p:grpSpPr>
+      <p:sp>
+        <p:nvSpPr>
+          <p:cNvPr id="2" name="Titre 1"/>
+          <p:cNvSpPr>
+            <a:spLocks noGrp="1"/>
+          </p:cNvSpPr>
+          <p:nvPr>
+            <p:ph type="title"/>
+          </p:nvPr>
+        </p:nvSpPr>
+        <p:spPr/>
+        <p:txBody>
+          <a:bodyPr/>
+          <a:lstStyle/>
+          <a:p>
+            <a:r>
+              <a:rPr lang="fr-FR" dirty="0" smtClean="0"/>
+              <a:t>Arrow </a:t>
+            </a:r>
+            <a:r>
+              <a:rPr lang="fr-FR" dirty="0" err="1" smtClean="0"/>
+              <a:t>Function</a:t>
+            </a:r>
+            <a:endParaRPr lang="fr-FR" dirty="0"/>
+          </a:p>
+        </p:txBody>
+      </p:sp>
+      <p:sp>
+        <p:nvSpPr>
+          <p:cNvPr id="3" name="Espace réservé du contenu 2"/>
+          <p:cNvSpPr>
+            <a:spLocks noGrp="1"/>
+          </p:cNvSpPr>
+          <p:nvPr>
+            <p:ph idx="1"/>
+          </p:nvPr>
+        </p:nvSpPr>
+        <p:spPr/>
+        <p:txBody>
+          <a:bodyPr/>
+          <a:lstStyle/>
+          <a:p>
+            <a:r>
+              <a:rPr lang="fr-FR" dirty="0" smtClean="0"/>
               <a:t>La fonction =&gt; également appelée Arrow </a:t>
             </a:r>
             <a:r>
@@ -4206,6 +4313,741 @@
     <p:extLst>
       <p:ext uri="{BB962C8B-B14F-4D97-AF65-F5344CB8AC3E}">
         <p14:creationId xmlns:p14="http://schemas.microsoft.com/office/powerpoint/2010/main" val="3032465949"/>
+      </p:ext>
+    </p:extLst>
+  </p:cSld>
+  <p:clrMapOvr>
+    <a:masterClrMapping/>
+  </p:clrMapOvr>
+</p:sld>
+</file>
+
+<file path=ppt/slides/slide13.xml><?xml version="1.0" encoding="utf-8"?>
+<p:sld xmlns:a="http://schemas.openxmlformats.org/drawingml/2006/main" xmlns:r="http://schemas.openxmlformats.org/officeDocument/2006/relationships" xmlns:p="http://schemas.openxmlformats.org/presentationml/2006/main">
+  <p:cSld>
+    <p:spTree>
+      <p:nvGrpSpPr>
+        <p:cNvPr id="1" name=""/>
+        <p:cNvGrpSpPr/>
+        <p:nvPr/>
+      </p:nvGrpSpPr>
+      <p:grpSpPr>
+        <a:xfrm>
+          <a:off x="0" y="0"/>
+          <a:ext cx="0" cy="0"/>
+          <a:chOff x="0" y="0"/>
+          <a:chExt cx="0" cy="0"/>
+        </a:xfrm>
+      </p:grpSpPr>
+      <p:sp>
+        <p:nvSpPr>
+          <p:cNvPr id="2" name="Titre 1"/>
+          <p:cNvSpPr>
+            <a:spLocks noGrp="1"/>
+          </p:cNvSpPr>
+          <p:nvPr>
+            <p:ph type="title"/>
+          </p:nvPr>
+        </p:nvSpPr>
+        <p:spPr/>
+        <p:txBody>
+          <a:bodyPr/>
+          <a:lstStyle/>
+          <a:p>
+            <a:r>
+              <a:rPr lang="fr-FR" dirty="0" smtClean="0"/>
+              <a:t>Export</a:t>
+            </a:r>
+            <a:endParaRPr lang="fr-FR" dirty="0"/>
+          </a:p>
+        </p:txBody>
+      </p:sp>
+      <p:sp>
+        <p:nvSpPr>
+          <p:cNvPr id="3" name="Espace réservé du contenu 2"/>
+          <p:cNvSpPr>
+            <a:spLocks noGrp="1"/>
+          </p:cNvSpPr>
+          <p:nvPr>
+            <p:ph idx="1"/>
+          </p:nvPr>
+        </p:nvSpPr>
+        <p:spPr/>
+        <p:txBody>
+          <a:bodyPr/>
+          <a:lstStyle/>
+          <a:p>
+            <a:r>
+              <a:rPr lang="fr-FR" dirty="0" smtClean="0"/>
+              <a:t>En </a:t>
+            </a:r>
+            <a:r>
+              <a:rPr lang="fr-FR" dirty="0" err="1"/>
+              <a:t>T</a:t>
+            </a:r>
+            <a:r>
+              <a:rPr lang="fr-FR" dirty="0" err="1" smtClean="0"/>
+              <a:t>ypescript</a:t>
+            </a:r>
+            <a:r>
+              <a:rPr lang="fr-FR" dirty="0" smtClean="0"/>
+              <a:t> 2 les modules remplaces les </a:t>
+            </a:r>
+            <a:r>
+              <a:rPr lang="fr-FR" dirty="0" err="1" smtClean="0"/>
+              <a:t>namespaces</a:t>
+            </a:r>
+            <a:endParaRPr lang="fr-FR" dirty="0" smtClean="0"/>
+          </a:p>
+          <a:p>
+            <a:r>
+              <a:rPr lang="fr-FR" dirty="0" smtClean="0"/>
+              <a:t>Tous ce qui est préfixé par export peut être importé ailleurs</a:t>
+            </a:r>
+          </a:p>
+          <a:p>
+            <a:pPr lvl="1"/>
+            <a:r>
+              <a:rPr lang="fr-FR" dirty="0" smtClean="0"/>
+              <a:t>Ce n'est pas l'option par défaut</a:t>
+            </a:r>
+          </a:p>
+          <a:p>
+            <a:pPr lvl="1"/>
+            <a:r>
+              <a:rPr lang="fr-FR" dirty="0" smtClean="0"/>
+              <a:t>Contrairement à Java</a:t>
+            </a:r>
+          </a:p>
+          <a:p>
+            <a:r>
+              <a:rPr lang="fr-FR" dirty="0" smtClean="0"/>
+              <a:t>Exemple</a:t>
+            </a:r>
+          </a:p>
+          <a:p>
+            <a:pPr lvl="1"/>
+            <a:r>
+              <a:rPr lang="fr-FR" dirty="0"/>
+              <a:t>export </a:t>
+            </a:r>
+            <a:r>
+              <a:rPr lang="fr-FR" dirty="0" err="1"/>
+              <a:t>const</a:t>
+            </a:r>
+            <a:r>
+              <a:rPr lang="fr-FR" dirty="0"/>
+              <a:t> </a:t>
+            </a:r>
+            <a:r>
+              <a:rPr lang="fr-FR" dirty="0" err="1"/>
+              <a:t>numberRegexp</a:t>
+            </a:r>
+            <a:r>
+              <a:rPr lang="fr-FR" dirty="0"/>
+              <a:t> = /^[0-9</a:t>
+            </a:r>
+            <a:r>
+              <a:rPr lang="fr-FR" dirty="0" smtClean="0"/>
+              <a:t>]+$/;</a:t>
+            </a:r>
+          </a:p>
+          <a:p>
+            <a:r>
+              <a:rPr lang="fr-FR" dirty="0" smtClean="0"/>
+              <a:t>Exports renommés</a:t>
+            </a:r>
+          </a:p>
+          <a:p>
+            <a:pPr lvl="1"/>
+            <a:endParaRPr lang="fr-FR" dirty="0" smtClean="0"/>
+          </a:p>
+          <a:p>
+            <a:endParaRPr lang="fr-FR" dirty="0"/>
+          </a:p>
+        </p:txBody>
+      </p:sp>
+      <p:pic>
+        <p:nvPicPr>
+          <p:cNvPr id="4" name="Image 3"/>
+          <p:cNvPicPr>
+            <a:picLocks noChangeAspect="1"/>
+          </p:cNvPicPr>
+          <p:nvPr/>
+        </p:nvPicPr>
+        <p:blipFill>
+          <a:blip r:embed="rId2"/>
+          <a:stretch>
+            <a:fillRect/>
+          </a:stretch>
+        </p:blipFill>
+        <p:spPr>
+          <a:xfrm>
+            <a:off x="3897313" y="5248275"/>
+            <a:ext cx="5048250" cy="1609725"/>
+          </a:xfrm>
+          <a:prstGeom prst="rect">
+            <a:avLst/>
+          </a:prstGeom>
+        </p:spPr>
+      </p:pic>
+    </p:spTree>
+    <p:extLst>
+      <p:ext uri="{BB962C8B-B14F-4D97-AF65-F5344CB8AC3E}">
+        <p14:creationId xmlns:p14="http://schemas.microsoft.com/office/powerpoint/2010/main" val="2255299468"/>
+      </p:ext>
+    </p:extLst>
+  </p:cSld>
+  <p:clrMapOvr>
+    <a:masterClrMapping/>
+  </p:clrMapOvr>
+</p:sld>
+</file>
+
+<file path=ppt/slides/slide14.xml><?xml version="1.0" encoding="utf-8"?>
+<p:sld xmlns:a="http://schemas.openxmlformats.org/drawingml/2006/main" xmlns:r="http://schemas.openxmlformats.org/officeDocument/2006/relationships" xmlns:p="http://schemas.openxmlformats.org/presentationml/2006/main">
+  <p:cSld>
+    <p:spTree>
+      <p:nvGrpSpPr>
+        <p:cNvPr id="1" name=""/>
+        <p:cNvGrpSpPr/>
+        <p:nvPr/>
+      </p:nvGrpSpPr>
+      <p:grpSpPr>
+        <a:xfrm>
+          <a:off x="0" y="0"/>
+          <a:ext cx="0" cy="0"/>
+          <a:chOff x="0" y="0"/>
+          <a:chExt cx="0" cy="0"/>
+        </a:xfrm>
+      </p:grpSpPr>
+      <p:sp>
+        <p:nvSpPr>
+          <p:cNvPr id="2" name="Titre 1"/>
+          <p:cNvSpPr>
+            <a:spLocks noGrp="1"/>
+          </p:cNvSpPr>
+          <p:nvPr>
+            <p:ph type="title"/>
+          </p:nvPr>
+        </p:nvSpPr>
+        <p:spPr/>
+        <p:txBody>
+          <a:bodyPr/>
+          <a:lstStyle/>
+          <a:p>
+            <a:r>
+              <a:rPr lang="fr-FR" dirty="0" smtClean="0"/>
+              <a:t>Import</a:t>
+            </a:r>
+            <a:endParaRPr lang="fr-FR" dirty="0"/>
+          </a:p>
+        </p:txBody>
+      </p:sp>
+      <p:sp>
+        <p:nvSpPr>
+          <p:cNvPr id="3" name="Espace réservé du contenu 2"/>
+          <p:cNvSpPr>
+            <a:spLocks noGrp="1"/>
+          </p:cNvSpPr>
+          <p:nvPr>
+            <p:ph idx="1"/>
+          </p:nvPr>
+        </p:nvSpPr>
+        <p:spPr/>
+        <p:txBody>
+          <a:bodyPr/>
+          <a:lstStyle/>
+          <a:p>
+            <a:r>
+              <a:rPr lang="fr-FR" dirty="0" smtClean="0"/>
+              <a:t>Import nommé depuis un module dans un fichier</a:t>
+            </a:r>
+          </a:p>
+          <a:p>
+            <a:pPr lvl="1"/>
+            <a:r>
+              <a:rPr lang="fr-FR" dirty="0"/>
+              <a:t>import { </a:t>
+            </a:r>
+            <a:r>
+              <a:rPr lang="fr-FR" dirty="0" err="1"/>
+              <a:t>ZipCodeValidator</a:t>
+            </a:r>
+            <a:r>
+              <a:rPr lang="fr-FR" dirty="0"/>
+              <a:t> } </a:t>
+            </a:r>
+            <a:r>
+              <a:rPr lang="fr-FR" dirty="0" err="1"/>
+              <a:t>from</a:t>
+            </a:r>
+            <a:r>
+              <a:rPr lang="fr-FR" dirty="0"/>
+              <a:t> "./</a:t>
+            </a:r>
+            <a:r>
+              <a:rPr lang="fr-FR" dirty="0" err="1"/>
+              <a:t>ZipCodeValidator</a:t>
+            </a:r>
+            <a:r>
+              <a:rPr lang="fr-FR" dirty="0" smtClean="0"/>
+              <a:t>";</a:t>
+            </a:r>
+          </a:p>
+          <a:p>
+            <a:r>
+              <a:rPr lang="fr-FR" dirty="0" smtClean="0"/>
+              <a:t>Import renommé</a:t>
+            </a:r>
+          </a:p>
+          <a:p>
+            <a:pPr lvl="1"/>
+            <a:r>
+              <a:rPr lang="fr-FR" dirty="0" smtClean="0"/>
+              <a:t>import </a:t>
+            </a:r>
+            <a:r>
+              <a:rPr lang="fr-FR" dirty="0"/>
+              <a:t>{ </a:t>
+            </a:r>
+            <a:r>
+              <a:rPr lang="fr-FR" dirty="0" err="1"/>
+              <a:t>ZipCodeValidator</a:t>
+            </a:r>
+            <a:r>
+              <a:rPr lang="fr-FR" dirty="0"/>
+              <a:t> as ZCV } </a:t>
+            </a:r>
+            <a:r>
+              <a:rPr lang="fr-FR" dirty="0" err="1"/>
+              <a:t>from</a:t>
+            </a:r>
+            <a:r>
+              <a:rPr lang="fr-FR" dirty="0"/>
+              <a:t> "./</a:t>
+            </a:r>
+            <a:r>
+              <a:rPr lang="fr-FR" dirty="0" err="1"/>
+              <a:t>ZipCodeValidator</a:t>
+            </a:r>
+            <a:r>
+              <a:rPr lang="fr-FR" dirty="0" smtClean="0"/>
+              <a:t>";</a:t>
+            </a:r>
+          </a:p>
+          <a:p>
+            <a:r>
+              <a:rPr lang="fr-FR" dirty="0" smtClean="0"/>
+              <a:t>Import global avec </a:t>
+            </a:r>
+            <a:r>
+              <a:rPr lang="fr-FR" dirty="0" err="1" smtClean="0"/>
+              <a:t>namespace</a:t>
+            </a:r>
+            <a:endParaRPr lang="fr-FR" dirty="0" smtClean="0"/>
+          </a:p>
+          <a:p>
+            <a:pPr lvl="1"/>
+            <a:r>
+              <a:rPr lang="fr-FR" dirty="0"/>
+              <a:t>import * as </a:t>
+            </a:r>
+            <a:r>
+              <a:rPr lang="fr-FR" dirty="0" err="1"/>
+              <a:t>validator</a:t>
+            </a:r>
+            <a:r>
+              <a:rPr lang="fr-FR" dirty="0"/>
+              <a:t> </a:t>
+            </a:r>
+            <a:r>
+              <a:rPr lang="fr-FR" dirty="0" err="1"/>
+              <a:t>from</a:t>
+            </a:r>
+            <a:r>
+              <a:rPr lang="fr-FR" dirty="0"/>
+              <a:t> "./</a:t>
+            </a:r>
+            <a:r>
+              <a:rPr lang="fr-FR" dirty="0" err="1"/>
+              <a:t>ZipCodeValidator</a:t>
+            </a:r>
+            <a:r>
+              <a:rPr lang="fr-FR" dirty="0" smtClean="0"/>
+              <a:t>";</a:t>
+            </a:r>
+          </a:p>
+          <a:p>
+            <a:r>
+              <a:rPr lang="fr-FR" dirty="0" smtClean="0"/>
+              <a:t>Import JS</a:t>
+            </a:r>
+          </a:p>
+          <a:p>
+            <a:pPr lvl="1"/>
+            <a:r>
+              <a:rPr lang="fr-FR" dirty="0"/>
+              <a:t>import "./my-module.js</a:t>
+            </a:r>
+            <a:r>
+              <a:rPr lang="fr-FR" dirty="0" smtClean="0"/>
+              <a:t>";</a:t>
+            </a:r>
+          </a:p>
+          <a:p>
+            <a:pPr lvl="1"/>
+            <a:r>
+              <a:rPr lang="fr-FR" dirty="0" smtClean="0"/>
+              <a:t>var ns = </a:t>
+            </a:r>
+            <a:r>
+              <a:rPr lang="fr-FR" dirty="0" err="1" smtClean="0"/>
+              <a:t>require</a:t>
+            </a:r>
+            <a:r>
+              <a:rPr lang="fr-FR" dirty="0" smtClean="0"/>
+              <a:t>("./my-module.js");</a:t>
+            </a:r>
+            <a:endParaRPr lang="fr-FR" dirty="0"/>
+          </a:p>
+        </p:txBody>
+      </p:sp>
+    </p:spTree>
+    <p:extLst>
+      <p:ext uri="{BB962C8B-B14F-4D97-AF65-F5344CB8AC3E}">
+        <p14:creationId xmlns:p14="http://schemas.microsoft.com/office/powerpoint/2010/main" val="2315565121"/>
+      </p:ext>
+    </p:extLst>
+  </p:cSld>
+  <p:clrMapOvr>
+    <a:masterClrMapping/>
+  </p:clrMapOvr>
+</p:sld>
+</file>
+
+<file path=ppt/slides/slide15.xml><?xml version="1.0" encoding="utf-8"?>
+<p:sld xmlns:a="http://schemas.openxmlformats.org/drawingml/2006/main" xmlns:r="http://schemas.openxmlformats.org/officeDocument/2006/relationships" xmlns:p="http://schemas.openxmlformats.org/presentationml/2006/main">
+  <p:cSld>
+    <p:spTree>
+      <p:nvGrpSpPr>
+        <p:cNvPr id="1" name=""/>
+        <p:cNvGrpSpPr/>
+        <p:nvPr/>
+      </p:nvGrpSpPr>
+      <p:grpSpPr>
+        <a:xfrm>
+          <a:off x="0" y="0"/>
+          <a:ext cx="0" cy="0"/>
+          <a:chOff x="0" y="0"/>
+          <a:chExt cx="0" cy="0"/>
+        </a:xfrm>
+      </p:grpSpPr>
+      <p:sp>
+        <p:nvSpPr>
+          <p:cNvPr id="2" name="Titre 1"/>
+          <p:cNvSpPr>
+            <a:spLocks noGrp="1"/>
+          </p:cNvSpPr>
+          <p:nvPr>
+            <p:ph type="title"/>
+          </p:nvPr>
+        </p:nvSpPr>
+        <p:spPr/>
+        <p:txBody>
+          <a:bodyPr/>
+          <a:lstStyle/>
+          <a:p>
+            <a:r>
+              <a:rPr lang="fr-FR" dirty="0" smtClean="0"/>
+              <a:t>Import Export default</a:t>
+            </a:r>
+            <a:endParaRPr lang="fr-FR" dirty="0"/>
+          </a:p>
+        </p:txBody>
+      </p:sp>
+      <p:sp>
+        <p:nvSpPr>
+          <p:cNvPr id="3" name="Espace réservé du contenu 2"/>
+          <p:cNvSpPr>
+            <a:spLocks noGrp="1"/>
+          </p:cNvSpPr>
+          <p:nvPr>
+            <p:ph idx="1"/>
+          </p:nvPr>
+        </p:nvSpPr>
+        <p:spPr/>
+        <p:txBody>
+          <a:bodyPr/>
+          <a:lstStyle/>
+          <a:p>
+            <a:r>
+              <a:rPr lang="fr-FR" dirty="0" smtClean="0"/>
+              <a:t>Chaque module peut avoir un export par défaut</a:t>
+            </a:r>
+          </a:p>
+          <a:p>
+            <a:endParaRPr lang="fr-FR" dirty="0"/>
+          </a:p>
+          <a:p>
+            <a:endParaRPr lang="fr-FR" dirty="0" smtClean="0"/>
+          </a:p>
+          <a:p>
+            <a:endParaRPr lang="fr-FR" dirty="0"/>
+          </a:p>
+          <a:p>
+            <a:endParaRPr lang="fr-FR" dirty="0" smtClean="0"/>
+          </a:p>
+          <a:p>
+            <a:endParaRPr lang="fr-FR" dirty="0"/>
+          </a:p>
+          <a:p>
+            <a:r>
+              <a:rPr lang="fr-FR" dirty="0" smtClean="0"/>
+              <a:t>Import</a:t>
+            </a:r>
+          </a:p>
+          <a:p>
+            <a:endParaRPr lang="fr-FR" dirty="0"/>
+          </a:p>
+        </p:txBody>
+      </p:sp>
+      <p:pic>
+        <p:nvPicPr>
+          <p:cNvPr id="4" name="Image 3"/>
+          <p:cNvPicPr>
+            <a:picLocks noChangeAspect="1"/>
+          </p:cNvPicPr>
+          <p:nvPr/>
+        </p:nvPicPr>
+        <p:blipFill>
+          <a:blip r:embed="rId2"/>
+          <a:stretch>
+            <a:fillRect/>
+          </a:stretch>
+        </p:blipFill>
+        <p:spPr>
+          <a:xfrm>
+            <a:off x="1043607" y="2060848"/>
+            <a:ext cx="2851517" cy="648072"/>
+          </a:xfrm>
+          <a:prstGeom prst="rect">
+            <a:avLst/>
+          </a:prstGeom>
+        </p:spPr>
+      </p:pic>
+      <p:pic>
+        <p:nvPicPr>
+          <p:cNvPr id="5" name="Image 4"/>
+          <p:cNvPicPr>
+            <a:picLocks noChangeAspect="1"/>
+          </p:cNvPicPr>
+          <p:nvPr/>
+        </p:nvPicPr>
+        <p:blipFill>
+          <a:blip r:embed="rId3"/>
+          <a:stretch>
+            <a:fillRect/>
+          </a:stretch>
+        </p:blipFill>
+        <p:spPr>
+          <a:xfrm>
+            <a:off x="2486025" y="2728838"/>
+            <a:ext cx="6657975" cy="1323975"/>
+          </a:xfrm>
+          <a:prstGeom prst="rect">
+            <a:avLst/>
+          </a:prstGeom>
+        </p:spPr>
+      </p:pic>
+      <p:pic>
+        <p:nvPicPr>
+          <p:cNvPr id="6" name="Image 5"/>
+          <p:cNvPicPr>
+            <a:picLocks noChangeAspect="1"/>
+          </p:cNvPicPr>
+          <p:nvPr/>
+        </p:nvPicPr>
+        <p:blipFill>
+          <a:blip r:embed="rId4"/>
+          <a:stretch>
+            <a:fillRect/>
+          </a:stretch>
+        </p:blipFill>
+        <p:spPr>
+          <a:xfrm>
+            <a:off x="392915" y="5006924"/>
+            <a:ext cx="5406142" cy="942355"/>
+          </a:xfrm>
+          <a:prstGeom prst="rect">
+            <a:avLst/>
+          </a:prstGeom>
+        </p:spPr>
+      </p:pic>
+      <p:pic>
+        <p:nvPicPr>
+          <p:cNvPr id="7" name="Image 6"/>
+          <p:cNvPicPr>
+            <a:picLocks noChangeAspect="1"/>
+          </p:cNvPicPr>
+          <p:nvPr/>
+        </p:nvPicPr>
+        <p:blipFill>
+          <a:blip r:embed="rId5"/>
+          <a:stretch>
+            <a:fillRect/>
+          </a:stretch>
+        </p:blipFill>
+        <p:spPr>
+          <a:xfrm>
+            <a:off x="5214446" y="5890276"/>
+            <a:ext cx="3990975" cy="733425"/>
+          </a:xfrm>
+          <a:prstGeom prst="rect">
+            <a:avLst/>
+          </a:prstGeom>
+        </p:spPr>
+      </p:pic>
+    </p:spTree>
+    <p:extLst>
+      <p:ext uri="{BB962C8B-B14F-4D97-AF65-F5344CB8AC3E}">
+        <p14:creationId xmlns:p14="http://schemas.microsoft.com/office/powerpoint/2010/main" val="1877426691"/>
+      </p:ext>
+    </p:extLst>
+  </p:cSld>
+  <p:clrMapOvr>
+    <a:masterClrMapping/>
+  </p:clrMapOvr>
+</p:sld>
+</file>
+
+<file path=ppt/slides/slide16.xml><?xml version="1.0" encoding="utf-8"?>
+<p:sld xmlns:a="http://schemas.openxmlformats.org/drawingml/2006/main" xmlns:r="http://schemas.openxmlformats.org/officeDocument/2006/relationships" xmlns:p="http://schemas.openxmlformats.org/presentationml/2006/main">
+  <p:cSld>
+    <p:spTree>
+      <p:nvGrpSpPr>
+        <p:cNvPr id="1" name=""/>
+        <p:cNvGrpSpPr/>
+        <p:nvPr/>
+      </p:nvGrpSpPr>
+      <p:grpSpPr>
+        <a:xfrm>
+          <a:off x="0" y="0"/>
+          <a:ext cx="0" cy="0"/>
+          <a:chOff x="0" y="0"/>
+          <a:chExt cx="0" cy="0"/>
+        </a:xfrm>
+      </p:grpSpPr>
+      <p:sp>
+        <p:nvSpPr>
+          <p:cNvPr id="2" name="Titre 1"/>
+          <p:cNvSpPr>
+            <a:spLocks noGrp="1"/>
+          </p:cNvSpPr>
+          <p:nvPr>
+            <p:ph type="title"/>
+          </p:nvPr>
+        </p:nvSpPr>
+        <p:spPr/>
+        <p:txBody>
+          <a:bodyPr/>
+          <a:lstStyle/>
+          <a:p>
+            <a:r>
+              <a:rPr lang="fr-FR" dirty="0" smtClean="0"/>
+              <a:t>Modules UMD</a:t>
+            </a:r>
+            <a:endParaRPr lang="fr-FR" dirty="0"/>
+          </a:p>
+        </p:txBody>
+      </p:sp>
+      <p:sp>
+        <p:nvSpPr>
+          <p:cNvPr id="3" name="Espace réservé du contenu 2"/>
+          <p:cNvSpPr>
+            <a:spLocks noGrp="1"/>
+          </p:cNvSpPr>
+          <p:nvPr>
+            <p:ph idx="1"/>
+          </p:nvPr>
+        </p:nvSpPr>
+        <p:spPr/>
+        <p:txBody>
+          <a:bodyPr/>
+          <a:lstStyle/>
+          <a:p>
+            <a:r>
+              <a:rPr lang="fr-FR" dirty="0" smtClean="0"/>
+              <a:t>Il s'agit d'un module global</a:t>
+            </a:r>
+          </a:p>
+          <a:p>
+            <a:pPr lvl="1"/>
+            <a:r>
+              <a:rPr lang="fr-FR" dirty="0" smtClean="0"/>
+              <a:t>Souvent installé dans </a:t>
+            </a:r>
+            <a:r>
+              <a:rPr lang="fr-FR" dirty="0" err="1" smtClean="0"/>
+              <a:t>node</a:t>
+            </a:r>
+            <a:r>
+              <a:rPr lang="fr-FR" dirty="0" smtClean="0"/>
+              <a:t>-modules par NPM</a:t>
+            </a:r>
+          </a:p>
+          <a:p>
+            <a:r>
+              <a:rPr lang="fr-FR" dirty="0" smtClean="0"/>
+              <a:t>Import sans le préfixe ./</a:t>
+            </a:r>
+          </a:p>
+          <a:p>
+            <a:pPr lvl="1"/>
+            <a:r>
+              <a:rPr lang="fr-FR" dirty="0" smtClean="0"/>
+              <a:t>import * as </a:t>
+            </a:r>
+            <a:r>
+              <a:rPr lang="fr-FR" dirty="0" err="1" smtClean="0"/>
+              <a:t>ng</a:t>
+            </a:r>
+            <a:r>
+              <a:rPr lang="fr-FR" dirty="0" smtClean="0"/>
+              <a:t> </a:t>
+            </a:r>
+            <a:r>
+              <a:rPr lang="fr-FR" dirty="0" err="1" smtClean="0"/>
+              <a:t>from</a:t>
+            </a:r>
+            <a:r>
+              <a:rPr lang="fr-FR" dirty="0" smtClean="0"/>
+              <a:t> "@</a:t>
+            </a:r>
+            <a:r>
+              <a:rPr lang="fr-FR" dirty="0" err="1" smtClean="0"/>
+              <a:t>Angular</a:t>
+            </a:r>
+            <a:r>
+              <a:rPr lang="fr-FR" dirty="0" smtClean="0"/>
+              <a:t>/</a:t>
+            </a:r>
+            <a:r>
+              <a:rPr lang="fr-FR" dirty="0" err="1" smtClean="0"/>
+              <a:t>core</a:t>
+            </a:r>
+            <a:r>
+              <a:rPr lang="fr-FR" smtClean="0"/>
+              <a:t>"</a:t>
+            </a:r>
+            <a:endParaRPr lang="fr-FR" dirty="0"/>
+          </a:p>
+        </p:txBody>
+      </p:sp>
+    </p:spTree>
+    <p:extLst>
+      <p:ext uri="{BB962C8B-B14F-4D97-AF65-F5344CB8AC3E}">
+        <p14:creationId xmlns:p14="http://schemas.microsoft.com/office/powerpoint/2010/main" val="2524444464"/>
       </p:ext>
     </p:extLst>
   </p:cSld>
@@ -5276,6 +6118,55 @@
             </a:r>
           </a:p>
           <a:p>
+            <a:pPr lvl="1"/>
+            <a:r>
+              <a:rPr lang="fr-FR" dirty="0" smtClean="0"/>
+              <a:t>Identique aux tableaux</a:t>
+            </a:r>
+          </a:p>
+          <a:p>
+            <a:endParaRPr lang="fr-FR" dirty="0" smtClean="0"/>
+          </a:p>
+          <a:p>
+            <a:endParaRPr lang="fr-FR" dirty="0"/>
+          </a:p>
+          <a:p>
+            <a:endParaRPr lang="fr-FR" dirty="0" smtClean="0"/>
+          </a:p>
+          <a:p>
+            <a:r>
+              <a:rPr lang="fr-FR" dirty="0" err="1" smtClean="0"/>
+              <a:t>Map</a:t>
+            </a:r>
+            <a:endParaRPr lang="fr-FR" dirty="0" smtClean="0"/>
+          </a:p>
+          <a:p>
+            <a:pPr lvl="1"/>
+            <a:r>
+              <a:rPr lang="fr-FR" dirty="0" smtClean="0"/>
+              <a:t>Dictionnaire , table de </a:t>
+            </a:r>
+            <a:r>
+              <a:rPr lang="fr-FR" dirty="0" err="1" smtClean="0"/>
+              <a:t>hashage</a:t>
+            </a:r>
+            <a:endParaRPr lang="fr-FR" dirty="0" smtClean="0"/>
+          </a:p>
+          <a:p>
+            <a:r>
+              <a:rPr lang="fr-FR" dirty="0" smtClean="0"/>
+              <a:t>Set</a:t>
+            </a:r>
+          </a:p>
+          <a:p>
+            <a:pPr lvl="1"/>
+            <a:r>
+              <a:rPr lang="fr-FR" dirty="0" smtClean="0"/>
+              <a:t>Collection sans duplication</a:t>
+            </a:r>
+          </a:p>
+          <a:p>
+            <a:pPr lvl="2"/>
             <a:endParaRPr lang="fr-FR" dirty="0"/>
           </a:p>
         </p:txBody>
@@ -5351,7 +6242,7 @@
           <a:p>
             <a:r>
               <a:rPr lang="fr-FR" dirty="0" smtClean="0"/>
-              <a:t>let</a:t>
+              <a:t>Itération</a:t>
             </a:r>
             <a:endParaRPr lang="fr-FR" dirty="0"/>
           </a:p>
@@ -5374,14 +6265,107 @@
           <a:p>
             <a:r>
               <a:rPr lang="fr-FR" dirty="0" smtClean="0"/>
-              <a:t>Propose une visibilité conforme à C# et Java</a:t>
-            </a:r>
-          </a:p>
-          <a:p>
-            <a:r>
-              <a:rPr lang="fr-FR" dirty="0" smtClean="0"/>
-              <a:t>Dans cet exemple var aurait donné un résultat différent</a:t>
-            </a:r>
+              <a:t>For of</a:t>
+            </a:r>
+          </a:p>
+          <a:p>
+            <a:pPr marL="457200" lvl="1" indent="0">
+              <a:buNone/>
+            </a:pPr>
+            <a:r>
+              <a:rPr lang="en-US" dirty="0"/>
+              <a:t>let </a:t>
+            </a:r>
+            <a:r>
+              <a:rPr lang="en-US" dirty="0" err="1"/>
+              <a:t>someArray</a:t>
+            </a:r>
+            <a:r>
+              <a:rPr lang="en-US" dirty="0"/>
+              <a:t> = [1, "string", false];</a:t>
+            </a:r>
+          </a:p>
+          <a:p>
+            <a:pPr marL="457200" lvl="1" indent="0">
+              <a:buNone/>
+            </a:pPr>
+            <a:r>
+              <a:rPr lang="en-US" dirty="0" smtClean="0"/>
+              <a:t>for </a:t>
+            </a:r>
+            <a:r>
+              <a:rPr lang="en-US" dirty="0"/>
+              <a:t>(let entry of </a:t>
+            </a:r>
+            <a:r>
+              <a:rPr lang="en-US" dirty="0" err="1"/>
+              <a:t>someArray</a:t>
+            </a:r>
+            <a:r>
+              <a:rPr lang="en-US" dirty="0"/>
+              <a:t>) {</a:t>
+            </a:r>
+          </a:p>
+          <a:p>
+            <a:pPr marL="457200" lvl="1" indent="0">
+              <a:buNone/>
+            </a:pPr>
+            <a:r>
+              <a:rPr lang="en-US" dirty="0"/>
+              <a:t>    console.log(entry); // 1, "string", false</a:t>
+            </a:r>
+          </a:p>
+          <a:p>
+            <a:pPr marL="457200" lvl="1" indent="0">
+              <a:buNone/>
+            </a:pPr>
+            <a:r>
+              <a:rPr lang="en-US" dirty="0" smtClean="0"/>
+              <a:t>}</a:t>
+            </a:r>
+          </a:p>
+          <a:p>
+            <a:r>
+              <a:rPr lang="en-US" dirty="0" smtClean="0"/>
+              <a:t>Attention ne pas </a:t>
+            </a:r>
+            <a:r>
+              <a:rPr lang="en-US" dirty="0" err="1" smtClean="0"/>
+              <a:t>confondre</a:t>
+            </a:r>
+            <a:r>
+              <a:rPr lang="en-US" dirty="0" smtClean="0"/>
+              <a:t> for of et for in</a:t>
+            </a:r>
+          </a:p>
+          <a:p>
+            <a:r>
+              <a:rPr lang="en-US" dirty="0" smtClean="0"/>
+              <a:t>Le for </a:t>
+            </a:r>
+            <a:r>
+              <a:rPr lang="en-US" dirty="0" err="1" smtClean="0"/>
+              <a:t>classique</a:t>
+            </a:r>
+            <a:endParaRPr lang="en-US" dirty="0"/>
+          </a:p>
+          <a:p>
+            <a:pPr lvl="1"/>
+            <a:r>
+              <a:rPr lang="en-US" smtClean="0"/>
+              <a:t>existe</a:t>
+            </a:r>
+            <a:r>
+              <a:rPr lang="en-US" dirty="0" smtClean="0"/>
+              <a:t> </a:t>
+            </a:r>
+            <a:r>
+              <a:rPr lang="en-US" dirty="0" err="1" smtClean="0"/>
+              <a:t>toujours</a:t>
+            </a:r>
+            <a:endParaRPr lang="en-US" dirty="0" smtClean="0"/>
+          </a:p>
+          <a:p>
             <a:endParaRPr lang="fr-FR" dirty="0"/>
           </a:p>
         </p:txBody>
@@ -5402,8 +6386,8 @@
         </p:blipFill>
         <p:spPr>
           <a:xfrm>
-            <a:off x="2195736" y="2767384"/>
-            <a:ext cx="4382932" cy="3685952"/>
+            <a:off x="5102597" y="4348311"/>
+            <a:ext cx="3429000" cy="2105025"/>
           </a:xfrm>
           <a:prstGeom prst="rect">
             <a:avLst/>
@@ -5413,7 +6397,7 @@
     </p:spTree>
     <p:extLst>
       <p:ext uri="{BB962C8B-B14F-4D97-AF65-F5344CB8AC3E}">
-        <p14:creationId xmlns:p14="http://schemas.microsoft.com/office/powerpoint/2010/main" val="2485868691"/>
+        <p14:creationId xmlns:p14="http://schemas.microsoft.com/office/powerpoint/2010/main" val="483352143"/>
       </p:ext>
     </p:extLst>
   </p:cSld>
